--- a/無心道快速开发演示文稿.pptx
+++ b/無心道快速开发演示文稿.pptx
@@ -22,11 +22,12 @@
     <p:sldId id="271" r:id="rId17"/>
     <p:sldId id="270" r:id="rId18"/>
     <p:sldId id="273" r:id="rId19"/>
+    <p:sldId id="274" r:id="rId20"/>
   </p:sldIdLst>
   <p:sldSz cx="12192000" cy="6858000"/>
   <p:notesSz cx="6858000" cy="9144000"/>
   <p:custDataLst>
-    <p:tags r:id="rId23"/>
+    <p:tags r:id="rId24"/>
   </p:custDataLst>
   <p:defaultTextStyle>
     <a:defPPr>
@@ -4717,6 +4718,358 @@
             </a:r>
             <a:r>
               <a:rPr lang="en-US" altLang="zh-CN"/>
+              <a:t>-015-</a:t>
+            </a:r>
+            <a:r>
+              <a:rPr lang="zh-CN" altLang="en-US"/>
+              <a:t>登录</a:t>
+            </a:r>
+            <a:r>
+              <a:rPr lang="zh-CN" altLang="en-US"/>
+              <a:t>模块</a:t>
+            </a:r>
+            <a:endParaRPr lang="zh-CN" altLang="en-US"/>
+          </a:p>
+        </p:txBody>
+      </p:sp>
+      <p:sp>
+        <p:nvSpPr>
+          <p:cNvPr id="4" name="文本框 3"/>
+          <p:cNvSpPr txBox="1"/>
+          <p:nvPr/>
+        </p:nvSpPr>
+        <p:spPr>
+          <a:xfrm>
+            <a:off x="648335" y="1632585"/>
+            <a:ext cx="10510520" cy="5354320"/>
+          </a:xfrm>
+          <a:prstGeom prst="rect">
+            <a:avLst/>
+          </a:prstGeom>
+          <a:noFill/>
+        </p:spPr>
+        <p:txBody>
+          <a:bodyPr wrap="square" rtlCol="0">
+            <a:spAutoFit/>
+          </a:bodyPr>
+          <a:p>
+            <a:r>
+              <a:rPr lang="zh-CN" altLang="en-US"/>
+              <a:t>账号</a:t>
+            </a:r>
+            <a:endParaRPr lang="zh-CN" altLang="en-US"/>
+          </a:p>
+          <a:p>
+            <a:r>
+              <a:rPr lang="zh-CN" altLang="en-US"/>
+              <a:t>验签，</a:t>
+            </a:r>
+            <a:endParaRPr lang="zh-CN" altLang="en-US"/>
+          </a:p>
+          <a:p>
+            <a:r>
+              <a:rPr lang="zh-CN" altLang="en-US"/>
+              <a:t>验</a:t>
+            </a:r>
+            <a:r>
+              <a:rPr lang="zh-CN" altLang="en-US"/>
+              <a:t>权，</a:t>
+            </a:r>
+            <a:endParaRPr lang="zh-CN" altLang="en-US"/>
+          </a:p>
+          <a:p>
+            <a:r>
+              <a:rPr lang="zh-CN" altLang="en-US"/>
+              <a:t>第三方登录系统</a:t>
+            </a:r>
+            <a:r>
+              <a:rPr lang="zh-CN" altLang="en-US"/>
+              <a:t>对接</a:t>
+            </a:r>
+            <a:endParaRPr lang="zh-CN" altLang="en-US"/>
+          </a:p>
+          <a:p>
+            <a:endParaRPr lang="zh-CN" altLang="en-US"/>
+          </a:p>
+          <a:p>
+            <a:r>
+              <a:rPr lang="zh-CN" altLang="en-US"/>
+              <a:t>独立进程，可能还需要做集群</a:t>
+            </a:r>
+            <a:r>
+              <a:rPr lang="zh-CN" altLang="en-US"/>
+              <a:t>处理；</a:t>
+            </a:r>
+            <a:endParaRPr lang="zh-CN" altLang="en-US"/>
+          </a:p>
+          <a:p>
+            <a:r>
+              <a:rPr lang="en-US" altLang="zh-CN"/>
+              <a:t>qps</a:t>
+            </a:r>
+            <a:r>
+              <a:rPr lang="zh-CN" altLang="en-US"/>
+              <a:t>，</a:t>
+            </a:r>
+            <a:r>
+              <a:rPr lang="en-US" altLang="zh-CN"/>
+              <a:t>http</a:t>
+            </a:r>
+            <a:r>
+              <a:rPr lang="zh-CN" altLang="en-US"/>
+              <a:t>服务，第三方渠道，比如微信，</a:t>
+            </a:r>
+            <a:r>
+              <a:rPr lang="en-US" altLang="zh-CN"/>
+              <a:t>qq</a:t>
+            </a:r>
+            <a:r>
+              <a:rPr lang="zh-CN" altLang="en-US"/>
+              <a:t>空间，</a:t>
+            </a:r>
+            <a:r>
+              <a:rPr lang="en-US" altLang="zh-CN"/>
+              <a:t>37wan</a:t>
+            </a:r>
+            <a:r>
+              <a:rPr lang="zh-CN" altLang="en-US"/>
+              <a:t>，</a:t>
+            </a:r>
+            <a:r>
+              <a:rPr lang="en-US" altLang="zh-CN"/>
+              <a:t>4399</a:t>
+            </a:r>
+            <a:r>
+              <a:rPr lang="zh-CN" altLang="en-US"/>
+              <a:t>，</a:t>
+            </a:r>
+            <a:endParaRPr lang="zh-CN" altLang="en-US"/>
+          </a:p>
+          <a:p>
+            <a:r>
+              <a:rPr lang="en-US" altLang="zh-CN"/>
+              <a:t>sdk</a:t>
+            </a:r>
+            <a:r>
+              <a:rPr lang="zh-CN" altLang="en-US"/>
+              <a:t>登录对接，同情况下他们提供又是一个</a:t>
+            </a:r>
+            <a:r>
+              <a:rPr lang="en-US" altLang="zh-CN"/>
+              <a:t>http</a:t>
+            </a:r>
+            <a:r>
+              <a:rPr lang="zh-CN" altLang="en-US"/>
+              <a:t>一个</a:t>
+            </a:r>
+            <a:r>
+              <a:rPr lang="en-US" altLang="zh-CN"/>
+              <a:t>token</a:t>
+            </a:r>
+            <a:r>
+              <a:rPr lang="zh-CN" altLang="en-US"/>
+              <a:t>验证方案；有部分渠道他们</a:t>
+            </a:r>
+            <a:r>
+              <a:rPr lang="en-US" altLang="zh-CN"/>
+              <a:t>token</a:t>
+            </a:r>
+            <a:r>
+              <a:rPr lang="zh-CN" altLang="en-US"/>
+              <a:t>验证，是通过一个规则的</a:t>
+            </a:r>
+            <a:r>
+              <a:rPr lang="en-US" altLang="zh-CN"/>
+              <a:t>md5</a:t>
+            </a:r>
+            <a:r>
+              <a:rPr lang="zh-CN" altLang="en-US"/>
+              <a:t>算法这样就不需要去第三方平台服务器进行</a:t>
+            </a:r>
+            <a:r>
+              <a:rPr lang="en-US" altLang="zh-CN"/>
+              <a:t>http</a:t>
+            </a:r>
+            <a:r>
+              <a:rPr lang="zh-CN" altLang="en-US"/>
+              <a:t>请求方式验证</a:t>
+            </a:r>
+            <a:r>
+              <a:rPr lang="en-US" altLang="zh-CN"/>
+              <a:t>token</a:t>
+            </a:r>
+            <a:r>
+              <a:rPr lang="zh-CN" altLang="en-US"/>
+              <a:t>；</a:t>
+            </a:r>
+            <a:endParaRPr lang="zh-CN" altLang="en-US"/>
+          </a:p>
+          <a:p>
+            <a:r>
+              <a:rPr lang="zh-CN" altLang="en-US"/>
+              <a:t>易接（</a:t>
+            </a:r>
+            <a:r>
+              <a:rPr lang="en-US" altLang="zh-CN"/>
+              <a:t>quick</a:t>
+            </a:r>
+            <a:r>
+              <a:rPr lang="zh-CN" altLang="en-US"/>
+              <a:t>）；</a:t>
+            </a:r>
+            <a:endParaRPr lang="zh-CN" altLang="en-US"/>
+          </a:p>
+          <a:p>
+            <a:endParaRPr lang="zh-CN" altLang="en-US"/>
+          </a:p>
+          <a:p>
+            <a:r>
+              <a:rPr lang="zh-CN" altLang="en-US"/>
+              <a:t>代码的通用性，</a:t>
+            </a:r>
+            <a:r>
+              <a:rPr lang="zh-CN" altLang="en-US"/>
+              <a:t>维护性；</a:t>
+            </a:r>
+            <a:endParaRPr lang="zh-CN" altLang="en-US"/>
+          </a:p>
+          <a:p>
+            <a:r>
+              <a:rPr lang="en-US" altLang="zh-CN"/>
+              <a:t>http</a:t>
+            </a:r>
+            <a:r>
+              <a:rPr lang="zh-CN" altLang="en-US"/>
+              <a:t>，延迟；即便是请求网络好，相应很快，理想状态</a:t>
+            </a:r>
+            <a:r>
+              <a:rPr lang="en-US" altLang="zh-CN"/>
+              <a:t>20ms</a:t>
+            </a:r>
+            <a:r>
+              <a:rPr lang="zh-CN" altLang="en-US"/>
+              <a:t>；</a:t>
+            </a:r>
+            <a:endParaRPr lang="zh-CN" altLang="en-US"/>
+          </a:p>
+          <a:p>
+            <a:r>
+              <a:rPr lang="en-US" altLang="zh-CN"/>
+              <a:t>1</a:t>
+            </a:r>
+            <a:r>
+              <a:rPr lang="zh-CN" altLang="en-US"/>
+              <a:t>秒钟一个线程能处理的能力，</a:t>
+            </a:r>
+            <a:r>
+              <a:rPr lang="en-US" altLang="zh-CN"/>
+              <a:t>45</a:t>
+            </a:r>
+            <a:r>
+              <a:rPr lang="zh-CN" altLang="en-US"/>
+              <a:t>，</a:t>
+            </a:r>
+            <a:endParaRPr lang="zh-CN" altLang="en-US"/>
+          </a:p>
+          <a:p>
+            <a:r>
+              <a:rPr lang="en-US" altLang="zh-CN"/>
+              <a:t>qps</a:t>
+            </a:r>
+            <a:r>
+              <a:rPr lang="zh-CN" altLang="en-US"/>
+              <a:t>需要很高的时候，就不得不做出集群</a:t>
+            </a:r>
+            <a:r>
+              <a:rPr lang="zh-CN" altLang="en-US"/>
+              <a:t>方案</a:t>
+            </a:r>
+            <a:endParaRPr lang="zh-CN" altLang="en-US"/>
+          </a:p>
+          <a:p>
+            <a:r>
+              <a:rPr lang="zh-CN" altLang="en-US"/>
+              <a:t>登录要走发行公司，发行公司再走平台对接，最坏的请求，</a:t>
+            </a:r>
+            <a:r>
+              <a:rPr lang="en-US" altLang="zh-CN"/>
+              <a:t>450ms</a:t>
+            </a:r>
+            <a:r>
+              <a:rPr lang="zh-CN" altLang="en-US"/>
+              <a:t>一次，一秒钟就</a:t>
+            </a:r>
+            <a:r>
+              <a:rPr lang="en-US" altLang="zh-CN"/>
+              <a:t>2</a:t>
+            </a:r>
+            <a:r>
+              <a:rPr lang="zh-CN" altLang="en-US"/>
+              <a:t>次；平均值</a:t>
+            </a:r>
+            <a:r>
+              <a:rPr lang="en-US" altLang="zh-CN"/>
+              <a:t>160ms</a:t>
+            </a:r>
+            <a:endParaRPr lang="zh-CN" altLang="en-US"/>
+          </a:p>
+          <a:p>
+            <a:endParaRPr lang="zh-CN" altLang="en-US"/>
+          </a:p>
+          <a:p>
+            <a:pPr marL="800100" lvl="1" indent="-342900">
+              <a:buAutoNum type="arabicPeriod"/>
+            </a:pPr>
+            <a:endParaRPr lang="zh-CN" altLang="en-US"/>
+          </a:p>
+          <a:p>
+            <a:endParaRPr lang="zh-CN" altLang="en-US"/>
+          </a:p>
+        </p:txBody>
+      </p:sp>
+    </p:spTree>
+  </p:cSld>
+  <p:clrMapOvr>
+    <a:masterClrMapping/>
+  </p:clrMapOvr>
+</p:sld>
+</file>
+
+<file path=ppt/slides/slide18.xml><?xml version="1.0" encoding="utf-8"?>
+<p:sld xmlns:a="http://schemas.openxmlformats.org/drawingml/2006/main" xmlns:r="http://schemas.openxmlformats.org/officeDocument/2006/relationships" xmlns:p="http://schemas.openxmlformats.org/presentationml/2006/main">
+  <p:cSld>
+    <p:spTree>
+      <p:nvGrpSpPr>
+        <p:cNvPr id="1" name=""/>
+        <p:cNvGrpSpPr/>
+        <p:nvPr/>
+      </p:nvGrpSpPr>
+      <p:grpSpPr/>
+      <p:sp>
+        <p:nvSpPr>
+          <p:cNvPr id="2" name="标题 1"/>
+          <p:cNvSpPr>
+            <a:spLocks noGrp="1"/>
+          </p:cNvSpPr>
+          <p:nvPr>
+            <p:ph type="title"/>
+          </p:nvPr>
+        </p:nvSpPr>
+        <p:spPr>
+          <a:xfrm>
+            <a:off x="838200" y="365125"/>
+            <a:ext cx="10515600" cy="845185"/>
+          </a:xfrm>
+        </p:spPr>
+        <p:txBody>
+          <a:bodyPr/>
+          <a:p>
+            <a:r>
+              <a:rPr lang="zh-CN" altLang="en-US"/>
+              <a:t>無心道</a:t>
+            </a:r>
+            <a:r>
+              <a:rPr lang="en-US" altLang="zh-CN"/>
               <a:t>-011-</a:t>
             </a:r>
             <a:r>

--- a/無心道快速开发演示文稿.pptx
+++ b/無心道快速开发演示文稿.pptx
@@ -23,11 +23,12 @@
     <p:sldId id="270" r:id="rId18"/>
     <p:sldId id="273" r:id="rId19"/>
     <p:sldId id="274" r:id="rId20"/>
+    <p:sldId id="275" r:id="rId21"/>
   </p:sldIdLst>
   <p:sldSz cx="12192000" cy="6858000"/>
   <p:notesSz cx="6858000" cy="9144000"/>
   <p:custDataLst>
-    <p:tags r:id="rId24"/>
+    <p:tags r:id="rId25"/>
   </p:custDataLst>
   <p:defaultTextStyle>
     <a:defPPr>
@@ -5070,6 +5071,159 @@
             </a:r>
             <a:r>
               <a:rPr lang="en-US" altLang="zh-CN"/>
+              <a:t>-016-</a:t>
+            </a:r>
+            <a:r>
+              <a:rPr lang="zh-CN" altLang="en-US"/>
+              <a:t>项目架构反射和</a:t>
+            </a:r>
+            <a:r>
+              <a:rPr lang="zh-CN" altLang="en-US"/>
+              <a:t>反射代理</a:t>
+            </a:r>
+            <a:endParaRPr lang="zh-CN" altLang="en-US"/>
+          </a:p>
+        </p:txBody>
+      </p:sp>
+      <p:sp>
+        <p:nvSpPr>
+          <p:cNvPr id="4" name="文本框 3"/>
+          <p:cNvSpPr txBox="1"/>
+          <p:nvPr/>
+        </p:nvSpPr>
+        <p:spPr>
+          <a:xfrm>
+            <a:off x="648335" y="1632585"/>
+            <a:ext cx="10510520" cy="1999615"/>
+          </a:xfrm>
+          <a:prstGeom prst="rect">
+            <a:avLst/>
+          </a:prstGeom>
+          <a:noFill/>
+        </p:spPr>
+        <p:txBody>
+          <a:bodyPr wrap="square" rtlCol="0">
+            <a:spAutoFit/>
+          </a:bodyPr>
+          <a:p>
+            <a:r>
+              <a:rPr lang="zh-CN" altLang="en-US"/>
+              <a:t>反射，</a:t>
+            </a:r>
+            <a:endParaRPr lang="zh-CN" altLang="en-US"/>
+          </a:p>
+          <a:p>
+            <a:pPr marL="342900" indent="-342900">
+              <a:buAutoNum type="arabicPeriod"/>
+            </a:pPr>
+            <a:r>
+              <a:rPr lang="zh-CN" altLang="en-US" sz="1400">
+                <a:sym typeface="+mn-ea"/>
+              </a:rPr>
+              <a:t>为什么使用反射</a:t>
+            </a:r>
+            <a:endParaRPr lang="zh-CN" altLang="en-US" sz="1400">
+              <a:sym typeface="+mn-ea"/>
+            </a:endParaRPr>
+          </a:p>
+          <a:p>
+            <a:pPr marL="342900" indent="-342900">
+              <a:buAutoNum type="arabicPeriod"/>
+            </a:pPr>
+            <a:r>
+              <a:rPr lang="zh-CN" altLang="en-US" sz="1400">
+                <a:sym typeface="+mn-ea"/>
+              </a:rPr>
+              <a:t>反射的性能如何</a:t>
+            </a:r>
+            <a:endParaRPr lang="zh-CN" altLang="en-US" sz="1400">
+              <a:sym typeface="+mn-ea"/>
+            </a:endParaRPr>
+          </a:p>
+          <a:p>
+            <a:endParaRPr lang="zh-CN" altLang="en-US"/>
+          </a:p>
+          <a:p>
+            <a:r>
+              <a:rPr lang="zh-CN" altLang="en-US"/>
+              <a:t>反射代理</a:t>
+            </a:r>
+            <a:endParaRPr lang="zh-CN" altLang="en-US"/>
+          </a:p>
+          <a:p>
+            <a:pPr marL="342900" indent="-342900">
+              <a:buAutoNum type="arabicPeriod"/>
+            </a:pPr>
+            <a:r>
+              <a:rPr lang="zh-CN" altLang="en-US" sz="1400"/>
+              <a:t>什么是反射代理</a:t>
+            </a:r>
+            <a:endParaRPr lang="zh-CN" altLang="en-US" sz="1400"/>
+          </a:p>
+          <a:p>
+            <a:pPr marL="342900" indent="-342900">
+              <a:buAutoNum type="arabicPeriod"/>
+            </a:pPr>
+            <a:r>
+              <a:rPr lang="zh-CN" altLang="en-US" sz="1400">
+                <a:sym typeface="+mn-ea"/>
+              </a:rPr>
+              <a:t>反射</a:t>
+            </a:r>
+            <a:r>
+              <a:rPr lang="zh-CN" altLang="en-US" sz="1400"/>
+              <a:t>代理的性能如何</a:t>
+            </a:r>
+            <a:endParaRPr lang="zh-CN" altLang="en-US" sz="1400"/>
+          </a:p>
+          <a:p>
+            <a:endParaRPr lang="zh-CN" altLang="en-US" sz="1400"/>
+          </a:p>
+        </p:txBody>
+      </p:sp>
+    </p:spTree>
+  </p:cSld>
+  <p:clrMapOvr>
+    <a:masterClrMapping/>
+  </p:clrMapOvr>
+</p:sld>
+</file>
+
+<file path=ppt/slides/slide19.xml><?xml version="1.0" encoding="utf-8"?>
+<p:sld xmlns:a="http://schemas.openxmlformats.org/drawingml/2006/main" xmlns:r="http://schemas.openxmlformats.org/officeDocument/2006/relationships" xmlns:p="http://schemas.openxmlformats.org/presentationml/2006/main">
+  <p:cSld>
+    <p:spTree>
+      <p:nvGrpSpPr>
+        <p:cNvPr id="1" name=""/>
+        <p:cNvGrpSpPr/>
+        <p:nvPr/>
+      </p:nvGrpSpPr>
+      <p:grpSpPr/>
+      <p:sp>
+        <p:nvSpPr>
+          <p:cNvPr id="2" name="标题 1"/>
+          <p:cNvSpPr>
+            <a:spLocks noGrp="1"/>
+          </p:cNvSpPr>
+          <p:nvPr>
+            <p:ph type="title"/>
+          </p:nvPr>
+        </p:nvSpPr>
+        <p:spPr>
+          <a:xfrm>
+            <a:off x="838200" y="365125"/>
+            <a:ext cx="10515600" cy="845185"/>
+          </a:xfrm>
+        </p:spPr>
+        <p:txBody>
+          <a:bodyPr/>
+          <a:p>
+            <a:r>
+              <a:rPr lang="zh-CN" altLang="en-US"/>
+              <a:t>無心道</a:t>
+            </a:r>
+            <a:r>
+              <a:rPr lang="en-US" altLang="zh-CN"/>
               <a:t>-011-</a:t>
             </a:r>
             <a:r>

--- a/無心道快速开发演示文稿.pptx
+++ b/無心道快速开发演示文稿.pptx
@@ -23,7 +23,7 @@
     <p:sldId id="270" r:id="rId18"/>
     <p:sldId id="273" r:id="rId19"/>
     <p:sldId id="274" r:id="rId20"/>
-    <p:sldId id="275" r:id="rId21"/>
+    <p:sldId id="276" r:id="rId21"/>
   </p:sldIdLst>
   <p:sldSz cx="12192000" cy="6858000"/>
   <p:notesSz cx="6858000" cy="9144000"/>
@@ -5224,26 +5224,30 @@
             </a:r>
             <a:r>
               <a:rPr lang="en-US" altLang="zh-CN"/>
-              <a:t>-011-</a:t>
-            </a:r>
-            <a:r>
-              <a:rPr lang="zh-CN" altLang="en-US"/>
-              <a:t>背包</a:t>
-            </a:r>
-            <a:endParaRPr lang="zh-CN" altLang="en-US"/>
-          </a:p>
-        </p:txBody>
-      </p:sp>
-      <p:sp>
-        <p:nvSpPr>
-          <p:cNvPr id="4" name="文本框 3"/>
+              <a:t>-017-</a:t>
+            </a:r>
+            <a:r>
+              <a:rPr lang="zh-CN" altLang="en-US"/>
+              <a:t>推荐</a:t>
+            </a:r>
+            <a:r>
+              <a:rPr lang="zh-CN" altLang="en-US"/>
+              <a:t>算法</a:t>
+            </a:r>
+            <a:endParaRPr lang="zh-CN" altLang="en-US"/>
+          </a:p>
+        </p:txBody>
+      </p:sp>
+      <p:sp>
+        <p:nvSpPr>
+          <p:cNvPr id="3" name="文本框 2"/>
           <p:cNvSpPr txBox="1"/>
           <p:nvPr/>
         </p:nvSpPr>
         <p:spPr>
           <a:xfrm>
-            <a:off x="648335" y="1632585"/>
-            <a:ext cx="10510520" cy="1753235"/>
+            <a:off x="1177290" y="1619250"/>
+            <a:ext cx="9047480" cy="3006725"/>
           </a:xfrm>
           <a:prstGeom prst="rect">
             <a:avLst/>
@@ -5252,53 +5256,74 @@
         </p:spPr>
         <p:txBody>
           <a:bodyPr wrap="square" rtlCol="0">
-            <a:spAutoFit/>
+            <a:noAutofit/>
           </a:bodyPr>
           <a:p>
             <a:r>
               <a:rPr lang="zh-CN" altLang="en-US"/>
-              <a:t>道具</a:t>
-            </a:r>
-            <a:endParaRPr lang="zh-CN" altLang="en-US"/>
-          </a:p>
-          <a:p>
-            <a:pPr marL="800100" lvl="1" indent="-342900">
-              <a:buAutoNum type="arabicPeriod"/>
-            </a:pPr>
-            <a:r>
-              <a:rPr lang="zh-CN" altLang="en-US"/>
-              <a:t>创建</a:t>
-            </a:r>
-            <a:endParaRPr lang="zh-CN" altLang="en-US"/>
-          </a:p>
-          <a:p>
-            <a:pPr marL="800100" lvl="1" indent="-342900">
-              <a:buAutoNum type="arabicPeriod"/>
-            </a:pPr>
-            <a:r>
-              <a:rPr lang="zh-CN" altLang="en-US"/>
-              <a:t>添加</a:t>
-            </a:r>
-            <a:endParaRPr lang="zh-CN" altLang="en-US"/>
-          </a:p>
-          <a:p>
-            <a:pPr marL="800100" lvl="1" indent="-342900">
-              <a:buAutoNum type="arabicPeriod"/>
-            </a:pPr>
-            <a:r>
-              <a:rPr lang="zh-CN" altLang="en-US"/>
-              <a:t>使用</a:t>
-            </a:r>
-            <a:endParaRPr lang="zh-CN" altLang="en-US"/>
-          </a:p>
-          <a:p>
-            <a:pPr marL="800100" lvl="1" indent="-342900">
-              <a:buAutoNum type="arabicPeriod"/>
-            </a:pPr>
-            <a:r>
-              <a:rPr lang="zh-CN" altLang="en-US"/>
-              <a:t>扣除</a:t>
-            </a:r>
+              <a:t>推荐算法</a:t>
+            </a:r>
+            <a:r>
+              <a:rPr lang="en-US" altLang="zh-CN"/>
+              <a:t>-</a:t>
+            </a:r>
+            <a:r>
+              <a:rPr lang="zh-CN" altLang="en-US"/>
+              <a:t>个人分析不代表主流平台</a:t>
+            </a:r>
+            <a:r>
+              <a:rPr lang="zh-CN" altLang="en-US"/>
+              <a:t>做法</a:t>
+            </a:r>
+            <a:endParaRPr lang="zh-CN" altLang="en-US"/>
+          </a:p>
+          <a:p>
+            <a:endParaRPr lang="zh-CN" altLang="en-US"/>
+          </a:p>
+          <a:p>
+            <a:r>
+              <a:rPr lang="zh-CN" altLang="en-US"/>
+              <a:t>发布内容的时候它是会有一个选项，叫做</a:t>
+            </a:r>
+            <a:r>
+              <a:rPr lang="zh-CN" altLang="en-US"/>
+              <a:t>标签</a:t>
+            </a:r>
+            <a:endParaRPr lang="zh-CN" altLang="en-US"/>
+          </a:p>
+          <a:p>
+            <a:r>
+              <a:rPr lang="zh-CN" altLang="en-US"/>
+              <a:t>给你的发布的内容自己打上你觉得合理的</a:t>
+            </a:r>
+            <a:r>
+              <a:rPr lang="zh-CN" altLang="en-US"/>
+              <a:t>关键词</a:t>
+            </a:r>
+            <a:endParaRPr lang="zh-CN" altLang="en-US"/>
+          </a:p>
+          <a:p>
+            <a:r>
+              <a:rPr lang="zh-CN" altLang="en-US"/>
+              <a:t>搞笑，</a:t>
+            </a:r>
+            <a:r>
+              <a:rPr lang="zh-CN" altLang="en-US"/>
+              <a:t>旅游，算法，推荐算法，</a:t>
+            </a:r>
+            <a:r>
+              <a:rPr lang="zh-CN" altLang="en-US"/>
+              <a:t>编程</a:t>
+            </a:r>
+            <a:endParaRPr lang="zh-CN" altLang="en-US"/>
+          </a:p>
+          <a:p>
+            <a:endParaRPr lang="zh-CN" altLang="en-US"/>
+          </a:p>
+          <a:p>
+            <a:endParaRPr lang="zh-CN" altLang="en-US"/>
+          </a:p>
+          <a:p>
             <a:endParaRPr lang="zh-CN" altLang="en-US"/>
           </a:p>
           <a:p>

--- a/無心道快速开发演示文稿.pptx
+++ b/無心道快速开发演示文稿.pptx
@@ -24,11 +24,13 @@
     <p:sldId id="273" r:id="rId19"/>
     <p:sldId id="274" r:id="rId20"/>
     <p:sldId id="276" r:id="rId21"/>
+    <p:sldId id="277" r:id="rId22"/>
+    <p:sldId id="278" r:id="rId23"/>
   </p:sldIdLst>
   <p:sldSz cx="12192000" cy="6858000"/>
   <p:notesSz cx="6858000" cy="9144000"/>
   <p:custDataLst>
-    <p:tags r:id="rId25"/>
+    <p:tags r:id="rId27"/>
   </p:custDataLst>
   <p:defaultTextStyle>
     <a:defPPr>
@@ -5478,6 +5480,381 @@
 </p:sld>
 </file>
 
+<file path=ppt/slides/slide20.xml><?xml version="1.0" encoding="utf-8"?>
+<p:sld xmlns:a="http://schemas.openxmlformats.org/drawingml/2006/main" xmlns:r="http://schemas.openxmlformats.org/officeDocument/2006/relationships" xmlns:p="http://schemas.openxmlformats.org/presentationml/2006/main">
+  <p:cSld>
+    <p:spTree>
+      <p:nvGrpSpPr>
+        <p:cNvPr id="1" name=""/>
+        <p:cNvGrpSpPr/>
+        <p:nvPr/>
+      </p:nvGrpSpPr>
+      <p:grpSpPr/>
+      <p:sp>
+        <p:nvSpPr>
+          <p:cNvPr id="2" name="标题 1"/>
+          <p:cNvSpPr>
+            <a:spLocks noGrp="1"/>
+          </p:cNvSpPr>
+          <p:nvPr>
+            <p:ph type="title"/>
+          </p:nvPr>
+        </p:nvSpPr>
+        <p:spPr>
+          <a:xfrm>
+            <a:off x="838200" y="365125"/>
+            <a:ext cx="10515600" cy="845185"/>
+          </a:xfrm>
+        </p:spPr>
+        <p:txBody>
+          <a:bodyPr/>
+          <a:p>
+            <a:r>
+              <a:rPr lang="zh-CN" altLang="en-US"/>
+              <a:t>無心道</a:t>
+            </a:r>
+            <a:r>
+              <a:rPr lang="en-US" altLang="zh-CN"/>
+              <a:t>-018-</a:t>
+            </a:r>
+            <a:r>
+              <a:rPr lang="zh-CN" altLang="en-US"/>
+              <a:t>单例锁</a:t>
+            </a:r>
+            <a:endParaRPr lang="zh-CN" altLang="en-US"/>
+          </a:p>
+        </p:txBody>
+      </p:sp>
+      <p:sp>
+        <p:nvSpPr>
+          <p:cNvPr id="3" name="文本框 2"/>
+          <p:cNvSpPr txBox="1"/>
+          <p:nvPr/>
+        </p:nvSpPr>
+        <p:spPr>
+          <a:xfrm>
+            <a:off x="1177290" y="1619250"/>
+            <a:ext cx="9047480" cy="3006725"/>
+          </a:xfrm>
+          <a:prstGeom prst="rect">
+            <a:avLst/>
+          </a:prstGeom>
+          <a:noFill/>
+        </p:spPr>
+        <p:txBody>
+          <a:bodyPr wrap="square" rtlCol="0">
+            <a:noAutofit/>
+          </a:bodyPr>
+          <a:p>
+            <a:endParaRPr lang="zh-CN" altLang="en-US"/>
+          </a:p>
+          <a:p>
+            <a:endParaRPr lang="zh-CN" altLang="en-US"/>
+          </a:p>
+          <a:p>
+            <a:endParaRPr lang="zh-CN" altLang="en-US"/>
+          </a:p>
+          <a:p>
+            <a:endParaRPr lang="zh-CN" altLang="en-US"/>
+          </a:p>
+        </p:txBody>
+      </p:sp>
+    </p:spTree>
+  </p:cSld>
+  <p:clrMapOvr>
+    <a:masterClrMapping/>
+  </p:clrMapOvr>
+</p:sld>
+</file>
+
+<file path=ppt/slides/slide21.xml><?xml version="1.0" encoding="utf-8"?>
+<p:sld xmlns:a="http://schemas.openxmlformats.org/drawingml/2006/main" xmlns:r="http://schemas.openxmlformats.org/officeDocument/2006/relationships" xmlns:p="http://schemas.openxmlformats.org/presentationml/2006/main">
+  <p:cSld>
+    <p:spTree>
+      <p:nvGrpSpPr>
+        <p:cNvPr id="1" name=""/>
+        <p:cNvGrpSpPr/>
+        <p:nvPr/>
+      </p:nvGrpSpPr>
+      <p:grpSpPr/>
+      <p:sp>
+        <p:nvSpPr>
+          <p:cNvPr id="2" name="标题 1"/>
+          <p:cNvSpPr>
+            <a:spLocks noGrp="1"/>
+          </p:cNvSpPr>
+          <p:nvPr>
+            <p:ph type="title"/>
+          </p:nvPr>
+        </p:nvSpPr>
+        <p:spPr>
+          <a:xfrm>
+            <a:off x="838200" y="365125"/>
+            <a:ext cx="10515600" cy="845185"/>
+          </a:xfrm>
+        </p:spPr>
+        <p:txBody>
+          <a:bodyPr/>
+          <a:p>
+            <a:r>
+              <a:rPr lang="zh-CN" altLang="en-US"/>
+              <a:t>無心道</a:t>
+            </a:r>
+            <a:r>
+              <a:rPr lang="en-US" altLang="zh-CN"/>
+              <a:t>-019-</a:t>
+            </a:r>
+            <a:r>
+              <a:rPr lang="zh-CN" altLang="en-US"/>
+              <a:t>数据库性能</a:t>
+            </a:r>
+            <a:r>
+              <a:rPr lang="zh-CN" altLang="en-US"/>
+              <a:t>对比测试</a:t>
+            </a:r>
+            <a:endParaRPr lang="zh-CN" altLang="en-US"/>
+          </a:p>
+        </p:txBody>
+      </p:sp>
+      <p:sp>
+        <p:nvSpPr>
+          <p:cNvPr id="3" name="文本框 2"/>
+          <p:cNvSpPr txBox="1"/>
+          <p:nvPr/>
+        </p:nvSpPr>
+        <p:spPr>
+          <a:xfrm>
+            <a:off x="1177290" y="1619250"/>
+            <a:ext cx="9047480" cy="4365625"/>
+          </a:xfrm>
+          <a:prstGeom prst="rect">
+            <a:avLst/>
+          </a:prstGeom>
+          <a:noFill/>
+        </p:spPr>
+        <p:txBody>
+          <a:bodyPr wrap="square" rtlCol="0">
+            <a:noAutofit/>
+          </a:bodyPr>
+          <a:p>
+            <a:endParaRPr lang="zh-CN" altLang="en-US"/>
+          </a:p>
+          <a:p>
+            <a:endParaRPr lang="zh-CN" altLang="en-US"/>
+          </a:p>
+          <a:p>
+            <a:endParaRPr lang="zh-CN" altLang="en-US"/>
+          </a:p>
+          <a:p>
+            <a:r>
+              <a:rPr lang="zh-CN" altLang="en-US"/>
+              <a:t>最常见的主流数据库</a:t>
+            </a:r>
+            <a:r>
+              <a:rPr lang="en-US" altLang="zh-CN"/>
+              <a:t>mysql</a:t>
+            </a:r>
+            <a:r>
+              <a:rPr lang="zh-CN" altLang="en-US"/>
+              <a:t>和</a:t>
+            </a:r>
+            <a:r>
+              <a:rPr lang="en-US" altLang="zh-CN"/>
+              <a:t>pgsql</a:t>
+            </a:r>
+            <a:r>
+              <a:rPr lang="zh-CN" altLang="en-US"/>
+              <a:t>对比</a:t>
+            </a:r>
+            <a:endParaRPr lang="zh-CN" altLang="en-US"/>
+          </a:p>
+          <a:p>
+            <a:endParaRPr lang="zh-CN" altLang="en-US"/>
+          </a:p>
+          <a:p>
+            <a:r>
+              <a:rPr lang="en-US" altLang="zh-CN"/>
+              <a:t>6</a:t>
+            </a:r>
+            <a:r>
+              <a:rPr lang="zh-CN" altLang="en-US"/>
+              <a:t>核</a:t>
+            </a:r>
+            <a:r>
+              <a:rPr lang="en-US" altLang="zh-CN"/>
+              <a:t>5g</a:t>
+            </a:r>
+            <a:r>
+              <a:rPr lang="zh-CN" altLang="en-US"/>
+              <a:t>内存</a:t>
+            </a:r>
+            <a:r>
+              <a:rPr lang="en-US" altLang="zh-CN"/>
+              <a:t>ubuntu22 x64</a:t>
+            </a:r>
+            <a:r>
+              <a:rPr lang="zh-CN" altLang="en-US"/>
+              <a:t>版本（虚拟机不在</a:t>
+            </a:r>
+            <a:r>
+              <a:rPr lang="en-US" altLang="zh-CN"/>
+              <a:t>ssd</a:t>
+            </a:r>
+            <a:r>
+              <a:rPr lang="zh-CN" altLang="en-US"/>
+              <a:t>硬盘是</a:t>
+            </a:r>
+            <a:r>
+              <a:rPr lang="en-US" altLang="zh-CN"/>
+              <a:t>hd</a:t>
+            </a:r>
+            <a:r>
+              <a:rPr lang="zh-CN" altLang="en-US"/>
+              <a:t>硬盘）</a:t>
+            </a:r>
+            <a:endParaRPr lang="zh-CN" altLang="en-US"/>
+          </a:p>
+          <a:p>
+            <a:r>
+              <a:rPr lang="en-US" altLang="zh-CN"/>
+              <a:t>mysql 8.0, </a:t>
+            </a:r>
+            <a:r>
+              <a:rPr lang="zh-CN" altLang="en-US"/>
+              <a:t>对比的</a:t>
+            </a:r>
+            <a:r>
+              <a:rPr lang="en-US" altLang="zh-CN"/>
+              <a:t>pgsql  14</a:t>
+            </a:r>
+            <a:endParaRPr lang="zh-CN" altLang="en-US"/>
+          </a:p>
+          <a:p>
+            <a:endParaRPr lang="zh-CN" altLang="en-US"/>
+          </a:p>
+          <a:p>
+            <a:r>
+              <a:rPr lang="en-US" altLang="zh-CN"/>
+              <a:t>insert</a:t>
+            </a:r>
+            <a:r>
+              <a:rPr lang="zh-CN" altLang="en-US"/>
+              <a:t>（）</a:t>
+            </a:r>
+            <a:endParaRPr lang="zh-CN" altLang="en-US"/>
+          </a:p>
+          <a:p>
+            <a:r>
+              <a:rPr lang="en-US" altLang="zh-CN"/>
+              <a:t>select</a:t>
+            </a:r>
+            <a:endParaRPr lang="en-US" altLang="zh-CN"/>
+          </a:p>
+          <a:p>
+            <a:r>
+              <a:rPr lang="zh-CN" altLang="en-US"/>
+              <a:t>新增字段，数据库已经</a:t>
+            </a:r>
+            <a:r>
+              <a:rPr lang="en-US" altLang="zh-CN"/>
+              <a:t> </a:t>
+            </a:r>
+            <a:r>
+              <a:rPr lang="zh-CN" altLang="en-US"/>
+              <a:t>达到百万，千万</a:t>
+            </a:r>
+            <a:r>
+              <a:rPr lang="zh-CN" altLang="en-US"/>
+              <a:t>行，</a:t>
+            </a:r>
+            <a:endParaRPr lang="zh-CN" altLang="en-US"/>
+          </a:p>
+          <a:p>
+            <a:r>
+              <a:rPr lang="zh-CN" altLang="en-US"/>
+              <a:t>新增索引，这一步可能就会卡几十分钟；</a:t>
+            </a:r>
+            <a:endParaRPr lang="zh-CN" altLang="en-US"/>
+          </a:p>
+          <a:p>
+            <a:r>
+              <a:rPr lang="zh-CN" altLang="en-US"/>
+              <a:t> </a:t>
+            </a:r>
+            <a:r>
+              <a:rPr lang="en-US" altLang="zh-CN"/>
+              <a:t>    mysql</a:t>
+            </a:r>
+            <a:r>
+              <a:rPr lang="zh-CN" altLang="en-US"/>
+              <a:t>，</a:t>
+            </a:r>
+            <a:r>
+              <a:rPr lang="en-US" altLang="zh-CN"/>
+              <a:t>5.6</a:t>
+            </a:r>
+            <a:r>
+              <a:rPr lang="zh-CN" altLang="en-US"/>
+              <a:t>之前，</a:t>
+            </a:r>
+            <a:r>
+              <a:rPr lang="en-US" altLang="zh-CN"/>
+              <a:t>5.6</a:t>
+            </a:r>
+            <a:r>
+              <a:rPr lang="zh-CN" altLang="en-US"/>
+              <a:t>之后（包括</a:t>
+            </a:r>
+            <a:r>
+              <a:rPr lang="en-US" altLang="zh-CN"/>
+              <a:t>5.6</a:t>
+            </a:r>
+            <a:r>
+              <a:rPr lang="zh-CN" altLang="en-US"/>
+              <a:t>）</a:t>
+            </a:r>
+            <a:r>
+              <a:rPr lang="en-US" altLang="zh-CN"/>
+              <a:t>,5.7</a:t>
+            </a:r>
+            <a:r>
+              <a:rPr lang="zh-CN" altLang="en-US"/>
+              <a:t>，</a:t>
+            </a:r>
+            <a:r>
+              <a:rPr lang="en-US" altLang="zh-CN"/>
+              <a:t>8.0,</a:t>
+            </a:r>
+            <a:endParaRPr lang="en-US" altLang="zh-CN"/>
+          </a:p>
+          <a:p>
+            <a:endParaRPr lang="zh-CN" altLang="en-US"/>
+          </a:p>
+          <a:p>
+            <a:r>
+              <a:rPr lang="en-US" altLang="zh-CN"/>
+              <a:t>10w</a:t>
+            </a:r>
+            <a:r>
+              <a:rPr lang="zh-CN" altLang="en-US"/>
+              <a:t>数据写入性能</a:t>
+            </a:r>
+            <a:r>
+              <a:rPr lang="zh-CN" altLang="en-US"/>
+              <a:t>对比</a:t>
+            </a:r>
+            <a:endParaRPr lang="zh-CN" altLang="en-US"/>
+          </a:p>
+        </p:txBody>
+      </p:sp>
+    </p:spTree>
+  </p:cSld>
+  <p:clrMapOvr>
+    <a:masterClrMapping/>
+  </p:clrMapOvr>
+</p:sld>
+</file>
+
 <file path=ppt/slides/slide3.xml><?xml version="1.0" encoding="utf-8"?>
 <p:sld xmlns:a="http://schemas.openxmlformats.org/drawingml/2006/main" xmlns:r="http://schemas.openxmlformats.org/officeDocument/2006/relationships" xmlns:p="http://schemas.openxmlformats.org/presentationml/2006/main">
   <p:cSld>
